--- a/Sentimental Analysis for Amazon Reviews.pptx
+++ b/Sentimental Analysis for Amazon Reviews.pptx
@@ -7319,7 +7319,7 @@
 <dgm:dataModel xmlns:dgm="http://schemas.openxmlformats.org/drawingml/2006/diagram" xmlns:a="http://schemas.openxmlformats.org/drawingml/2006/main">
   <dgm:ptLst>
     <dgm:pt modelId="{8C301878-7BEF-410A-A6C1-8758626BE8A0}" type="doc">
-      <dgm:prSet loTypeId="urn:microsoft.com/office/officeart/2016/7/layout/RepeatingBendingProcessNew" loCatId="process" qsTypeId="urn:microsoft.com/office/officeart/2005/8/quickstyle/simple1" qsCatId="simple" csTypeId="urn:microsoft.com/office/officeart/2005/8/colors/colorful2" csCatId="colorful"/>
+      <dgm:prSet loTypeId="urn:microsoft.com/office/officeart/2016/7/layout/RepeatingBendingProcessNew" loCatId="process" qsTypeId="urn:microsoft.com/office/officeart/2005/8/quickstyle/simple1" qsCatId="simple" csTypeId="urn:microsoft.com/office/officeart/2005/8/colors/colorful2" csCatId="colorful" phldr="1"/>
       <dgm:spPr/>
       <dgm:t>
         <a:bodyPr/>
@@ -7374,10 +7374,10 @@
         <a:lstStyle/>
         <a:p>
           <a:r>
-            <a:rPr lang="en-US" baseline="0"/>
+            <a:rPr lang="en-US" baseline="0" dirty="0"/>
             <a:t>Finding an appropriate dataset.</a:t>
           </a:r>
-          <a:endParaRPr lang="en-US"/>
+          <a:endParaRPr lang="en-US" dirty="0"/>
         </a:p>
       </dgm:t>
     </dgm:pt>
@@ -7411,10 +7411,10 @@
         <a:lstStyle/>
         <a:p>
           <a:r>
-            <a:rPr lang="en-US" baseline="0"/>
+            <a:rPr lang="en-US" baseline="0" dirty="0"/>
             <a:t>Splitting the data into train and test data.</a:t>
           </a:r>
-          <a:endParaRPr lang="en-US"/>
+          <a:endParaRPr lang="en-US" dirty="0"/>
         </a:p>
       </dgm:t>
     </dgm:pt>
@@ -7448,10 +7448,10 @@
         <a:lstStyle/>
         <a:p>
           <a:r>
-            <a:rPr lang="en-US" baseline="0"/>
+            <a:rPr lang="en-US" baseline="0" dirty="0"/>
             <a:t>Performing Data Exploration.</a:t>
           </a:r>
-          <a:endParaRPr lang="en-US"/>
+          <a:endParaRPr lang="en-US" dirty="0"/>
         </a:p>
       </dgm:t>
     </dgm:pt>
@@ -7522,10 +7522,10 @@
         <a:lstStyle/>
         <a:p>
           <a:r>
-            <a:rPr lang="en-US" baseline="0"/>
+            <a:rPr lang="en-US" baseline="0" dirty="0"/>
             <a:t>Sentiment Analysis.</a:t>
           </a:r>
-          <a:endParaRPr lang="en-US"/>
+          <a:endParaRPr lang="en-US" dirty="0"/>
         </a:p>
       </dgm:t>
     </dgm:pt>
@@ -7551,6 +7551,79 @@
         </a:p>
       </dgm:t>
     </dgm:pt>
+    <dgm:pt modelId="{92732C8F-8AD8-4929-8180-FAB71DAEC648}">
+      <dgm:prSet/>
+      <dgm:spPr/>
+      <dgm:t>
+        <a:bodyPr/>
+        <a:lstStyle/>
+        <a:p>
+          <a:r>
+            <a:rPr lang="en-US" baseline="0" dirty="0"/>
+            <a:t>Cleaning the data.</a:t>
+          </a:r>
+          <a:endParaRPr lang="en-US" dirty="0"/>
+        </a:p>
+      </dgm:t>
+    </dgm:pt>
+    <dgm:pt modelId="{974127CE-71ED-4BFA-83DD-11966CF2840D}" type="parTrans" cxnId="{A8536294-A86F-4017-AB35-509899141F85}">
+      <dgm:prSet/>
+      <dgm:spPr/>
+      <dgm:t>
+        <a:bodyPr/>
+        <a:lstStyle/>
+        <a:p>
+          <a:endParaRPr lang="en-US"/>
+        </a:p>
+      </dgm:t>
+    </dgm:pt>
+    <dgm:pt modelId="{F8FEB3B5-F1A8-4F2B-91D3-E26067368721}" type="sibTrans" cxnId="{A8536294-A86F-4017-AB35-509899141F85}">
+      <dgm:prSet/>
+      <dgm:spPr/>
+      <dgm:t>
+        <a:bodyPr/>
+        <a:lstStyle/>
+        <a:p>
+          <a:endParaRPr lang="en-US"/>
+        </a:p>
+      </dgm:t>
+    </dgm:pt>
+    <dgm:pt modelId="{9F23B169-D9CE-4874-BD4C-D30C13621A3A}">
+      <dgm:prSet/>
+      <dgm:spPr/>
+      <dgm:t>
+        <a:bodyPr/>
+        <a:lstStyle/>
+        <a:p>
+          <a:r>
+            <a:rPr lang="en-US" dirty="0"/>
+            <a:t>Testing Models</a:t>
+          </a:r>
+        </a:p>
+      </dgm:t>
+    </dgm:pt>
+    <dgm:pt modelId="{0FA9C46F-5197-4B9F-AF26-DBF5F1355FB2}" type="parTrans" cxnId="{462DE8BD-4A63-488A-B865-2E528F484F71}">
+      <dgm:prSet/>
+      <dgm:spPr/>
+      <dgm:t>
+        <a:bodyPr/>
+        <a:lstStyle/>
+        <a:p>
+          <a:endParaRPr lang="en-US"/>
+        </a:p>
+      </dgm:t>
+    </dgm:pt>
+    <dgm:pt modelId="{6A977626-EE12-4D1B-9126-D38F2BD13389}" type="sibTrans" cxnId="{462DE8BD-4A63-488A-B865-2E528F484F71}">
+      <dgm:prSet/>
+      <dgm:spPr/>
+      <dgm:t>
+        <a:bodyPr/>
+        <a:lstStyle/>
+        <a:p>
+          <a:endParaRPr lang="en-US"/>
+        </a:p>
+      </dgm:t>
+    </dgm:pt>
     <dgm:pt modelId="{D6688C76-9B30-45D1-AD71-8A91728D334D}" type="pres">
       <dgm:prSet presAssocID="{8C301878-7BEF-410A-A6C1-8758626BE8A0}" presName="Name0" presStyleCnt="0">
         <dgm:presLayoutVars>
@@ -7561,7 +7634,7 @@
       <dgm:spPr/>
     </dgm:pt>
     <dgm:pt modelId="{DE4CC650-B620-43CC-8839-2C56634612E9}" type="pres">
-      <dgm:prSet presAssocID="{3A0F3694-5BCB-4F2B-B677-6FB623183583}" presName="node" presStyleLbl="node1" presStyleIdx="0" presStyleCnt="6">
+      <dgm:prSet presAssocID="{3A0F3694-5BCB-4F2B-B677-6FB623183583}" presName="node" presStyleLbl="node1" presStyleIdx="0" presStyleCnt="8">
         <dgm:presLayoutVars>
           <dgm:bulletEnabled val="1"/>
         </dgm:presLayoutVars>
@@ -7569,15 +7642,15 @@
       <dgm:spPr/>
     </dgm:pt>
     <dgm:pt modelId="{A8347D23-4E5C-4AA8-934A-C0BACB4C33CF}" type="pres">
-      <dgm:prSet presAssocID="{133DD09F-4155-47D2-A49D-B84FA24F114A}" presName="sibTrans" presStyleLbl="sibTrans1D1" presStyleIdx="0" presStyleCnt="5"/>
+      <dgm:prSet presAssocID="{133DD09F-4155-47D2-A49D-B84FA24F114A}" presName="sibTrans" presStyleLbl="sibTrans1D1" presStyleIdx="0" presStyleCnt="7"/>
       <dgm:spPr/>
     </dgm:pt>
     <dgm:pt modelId="{2D20D900-F795-4382-9BA0-378A0739EA5A}" type="pres">
-      <dgm:prSet presAssocID="{133DD09F-4155-47D2-A49D-B84FA24F114A}" presName="connectorText" presStyleLbl="sibTrans1D1" presStyleIdx="0" presStyleCnt="5"/>
+      <dgm:prSet presAssocID="{133DD09F-4155-47D2-A49D-B84FA24F114A}" presName="connectorText" presStyleLbl="sibTrans1D1" presStyleIdx="0" presStyleCnt="7"/>
       <dgm:spPr/>
     </dgm:pt>
     <dgm:pt modelId="{06531C9D-0DAA-49EF-A7B9-03BB6A1668B1}" type="pres">
-      <dgm:prSet presAssocID="{6D349C7B-56CD-43CA-A425-4CA9F57DEC18}" presName="node" presStyleLbl="node1" presStyleIdx="1" presStyleCnt="6">
+      <dgm:prSet presAssocID="{6D349C7B-56CD-43CA-A425-4CA9F57DEC18}" presName="node" presStyleLbl="node1" presStyleIdx="1" presStyleCnt="8">
         <dgm:presLayoutVars>
           <dgm:bulletEnabled val="1"/>
         </dgm:presLayoutVars>
@@ -7585,15 +7658,31 @@
       <dgm:spPr/>
     </dgm:pt>
     <dgm:pt modelId="{90D4F863-0326-4EB3-BFB7-798F6FE7EBF6}" type="pres">
-      <dgm:prSet presAssocID="{AE4B9CDC-2440-46DD-99F7-2B2FC905C232}" presName="sibTrans" presStyleLbl="sibTrans1D1" presStyleIdx="1" presStyleCnt="5"/>
+      <dgm:prSet presAssocID="{AE4B9CDC-2440-46DD-99F7-2B2FC905C232}" presName="sibTrans" presStyleLbl="sibTrans1D1" presStyleIdx="1" presStyleCnt="7"/>
       <dgm:spPr/>
     </dgm:pt>
     <dgm:pt modelId="{350724F9-E663-4580-9362-C1687F37D075}" type="pres">
-      <dgm:prSet presAssocID="{AE4B9CDC-2440-46DD-99F7-2B2FC905C232}" presName="connectorText" presStyleLbl="sibTrans1D1" presStyleIdx="1" presStyleCnt="5"/>
+      <dgm:prSet presAssocID="{AE4B9CDC-2440-46DD-99F7-2B2FC905C232}" presName="connectorText" presStyleLbl="sibTrans1D1" presStyleIdx="1" presStyleCnt="7"/>
+      <dgm:spPr/>
+    </dgm:pt>
+    <dgm:pt modelId="{59274F89-0E09-462E-A0D0-6A71DDC38DB7}" type="pres">
+      <dgm:prSet presAssocID="{92732C8F-8AD8-4929-8180-FAB71DAEC648}" presName="node" presStyleLbl="node1" presStyleIdx="2" presStyleCnt="8">
+        <dgm:presLayoutVars>
+          <dgm:bulletEnabled val="1"/>
+        </dgm:presLayoutVars>
+      </dgm:prSet>
+      <dgm:spPr/>
+    </dgm:pt>
+    <dgm:pt modelId="{B1CBAC0D-CBDC-48B4-8968-1F61F50B6246}" type="pres">
+      <dgm:prSet presAssocID="{F8FEB3B5-F1A8-4F2B-91D3-E26067368721}" presName="sibTrans" presStyleLbl="sibTrans1D1" presStyleIdx="2" presStyleCnt="7"/>
+      <dgm:spPr/>
+    </dgm:pt>
+    <dgm:pt modelId="{849BC37A-57E2-446E-817B-AD0967DA2729}" type="pres">
+      <dgm:prSet presAssocID="{F8FEB3B5-F1A8-4F2B-91D3-E26067368721}" presName="connectorText" presStyleLbl="sibTrans1D1" presStyleIdx="2" presStyleCnt="7"/>
       <dgm:spPr/>
     </dgm:pt>
     <dgm:pt modelId="{5FCECA06-23C3-45DE-8853-29E5BAA32527}" type="pres">
-      <dgm:prSet presAssocID="{F33D140C-1A20-4589-89B2-73CC2608292C}" presName="node" presStyleLbl="node1" presStyleIdx="2" presStyleCnt="6">
+      <dgm:prSet presAssocID="{F33D140C-1A20-4589-89B2-73CC2608292C}" presName="node" presStyleLbl="node1" presStyleIdx="3" presStyleCnt="8">
         <dgm:presLayoutVars>
           <dgm:bulletEnabled val="1"/>
         </dgm:presLayoutVars>
@@ -7601,15 +7690,15 @@
       <dgm:spPr/>
     </dgm:pt>
     <dgm:pt modelId="{D67497C5-A4A7-45D5-AB58-71F9A885AD44}" type="pres">
-      <dgm:prSet presAssocID="{A7CBD15D-E238-433E-AF56-F938F88D2ADA}" presName="sibTrans" presStyleLbl="sibTrans1D1" presStyleIdx="2" presStyleCnt="5"/>
+      <dgm:prSet presAssocID="{A7CBD15D-E238-433E-AF56-F938F88D2ADA}" presName="sibTrans" presStyleLbl="sibTrans1D1" presStyleIdx="3" presStyleCnt="7"/>
       <dgm:spPr/>
     </dgm:pt>
     <dgm:pt modelId="{29C60031-D057-45F8-ACA3-742DFBCD5FC6}" type="pres">
-      <dgm:prSet presAssocID="{A7CBD15D-E238-433E-AF56-F938F88D2ADA}" presName="connectorText" presStyleLbl="sibTrans1D1" presStyleIdx="2" presStyleCnt="5"/>
+      <dgm:prSet presAssocID="{A7CBD15D-E238-433E-AF56-F938F88D2ADA}" presName="connectorText" presStyleLbl="sibTrans1D1" presStyleIdx="3" presStyleCnt="7"/>
       <dgm:spPr/>
     </dgm:pt>
     <dgm:pt modelId="{3A857075-61F1-4D45-BF4C-5E0942C89D81}" type="pres">
-      <dgm:prSet presAssocID="{5C2B5F06-F8E4-4196-9C13-36F5E42FC535}" presName="node" presStyleLbl="node1" presStyleIdx="3" presStyleCnt="6">
+      <dgm:prSet presAssocID="{5C2B5F06-F8E4-4196-9C13-36F5E42FC535}" presName="node" presStyleLbl="node1" presStyleIdx="4" presStyleCnt="8">
         <dgm:presLayoutVars>
           <dgm:bulletEnabled val="1"/>
         </dgm:presLayoutVars>
@@ -7617,15 +7706,15 @@
       <dgm:spPr/>
     </dgm:pt>
     <dgm:pt modelId="{66E07E36-11B2-4E8A-8372-55831EE3FE60}" type="pres">
-      <dgm:prSet presAssocID="{262CB5B3-AF4E-4DFE-BB7C-626B73A4D477}" presName="sibTrans" presStyleLbl="sibTrans1D1" presStyleIdx="3" presStyleCnt="5"/>
+      <dgm:prSet presAssocID="{262CB5B3-AF4E-4DFE-BB7C-626B73A4D477}" presName="sibTrans" presStyleLbl="sibTrans1D1" presStyleIdx="4" presStyleCnt="7"/>
       <dgm:spPr/>
     </dgm:pt>
     <dgm:pt modelId="{5F5563C3-0983-4BEE-B7A4-B927FEE93091}" type="pres">
-      <dgm:prSet presAssocID="{262CB5B3-AF4E-4DFE-BB7C-626B73A4D477}" presName="connectorText" presStyleLbl="sibTrans1D1" presStyleIdx="3" presStyleCnt="5"/>
+      <dgm:prSet presAssocID="{262CB5B3-AF4E-4DFE-BB7C-626B73A4D477}" presName="connectorText" presStyleLbl="sibTrans1D1" presStyleIdx="4" presStyleCnt="7"/>
       <dgm:spPr/>
     </dgm:pt>
     <dgm:pt modelId="{DE982F31-DB06-4D25-90B8-74142DD46EBF}" type="pres">
-      <dgm:prSet presAssocID="{90C5FD8D-0398-483A-8883-822BE2C855A3}" presName="node" presStyleLbl="node1" presStyleIdx="4" presStyleCnt="6">
+      <dgm:prSet presAssocID="{90C5FD8D-0398-483A-8883-822BE2C855A3}" presName="node" presStyleLbl="node1" presStyleIdx="5" presStyleCnt="8">
         <dgm:presLayoutVars>
           <dgm:bulletEnabled val="1"/>
         </dgm:presLayoutVars>
@@ -7633,15 +7722,31 @@
       <dgm:spPr/>
     </dgm:pt>
     <dgm:pt modelId="{FBAE5772-40DD-4445-958C-467363BE5C87}" type="pres">
-      <dgm:prSet presAssocID="{CF08ADB3-D677-499A-9034-CF02A6BE6603}" presName="sibTrans" presStyleLbl="sibTrans1D1" presStyleIdx="4" presStyleCnt="5"/>
+      <dgm:prSet presAssocID="{CF08ADB3-D677-499A-9034-CF02A6BE6603}" presName="sibTrans" presStyleLbl="sibTrans1D1" presStyleIdx="5" presStyleCnt="7"/>
       <dgm:spPr/>
     </dgm:pt>
     <dgm:pt modelId="{04D12C34-1245-4403-9DB0-D7B3F7427EBA}" type="pres">
-      <dgm:prSet presAssocID="{CF08ADB3-D677-499A-9034-CF02A6BE6603}" presName="connectorText" presStyleLbl="sibTrans1D1" presStyleIdx="4" presStyleCnt="5"/>
+      <dgm:prSet presAssocID="{CF08ADB3-D677-499A-9034-CF02A6BE6603}" presName="connectorText" presStyleLbl="sibTrans1D1" presStyleIdx="5" presStyleCnt="7"/>
       <dgm:spPr/>
     </dgm:pt>
     <dgm:pt modelId="{7E6C42DA-3695-469E-9306-35BFD65F23E6}" type="pres">
-      <dgm:prSet presAssocID="{D76DD7F3-D3F5-4DF6-BDC2-10FA16D5F3B2}" presName="node" presStyleLbl="node1" presStyleIdx="5" presStyleCnt="6">
+      <dgm:prSet presAssocID="{D76DD7F3-D3F5-4DF6-BDC2-10FA16D5F3B2}" presName="node" presStyleLbl="node1" presStyleIdx="6" presStyleCnt="8">
+        <dgm:presLayoutVars>
+          <dgm:bulletEnabled val="1"/>
+        </dgm:presLayoutVars>
+      </dgm:prSet>
+      <dgm:spPr/>
+    </dgm:pt>
+    <dgm:pt modelId="{A2806136-B18A-423F-9E4D-AC1DFBDCB9F7}" type="pres">
+      <dgm:prSet presAssocID="{50846944-EEEB-4994-BC25-A3504DCD1520}" presName="sibTrans" presStyleLbl="sibTrans1D1" presStyleIdx="6" presStyleCnt="7"/>
+      <dgm:spPr/>
+    </dgm:pt>
+    <dgm:pt modelId="{57EDADA8-588C-408A-A33F-714B2DBDB9CB}" type="pres">
+      <dgm:prSet presAssocID="{50846944-EEEB-4994-BC25-A3504DCD1520}" presName="connectorText" presStyleLbl="sibTrans1D1" presStyleIdx="6" presStyleCnt="7"/>
+      <dgm:spPr/>
+    </dgm:pt>
+    <dgm:pt modelId="{1769CF88-974A-42F1-966D-4A0C467E0EC9}" type="pres">
+      <dgm:prSet presAssocID="{9F23B169-D9CE-4874-BD4C-D30C13621A3A}" presName="node" presStyleLbl="node1" presStyleIdx="7" presStyleCnt="8">
         <dgm:presLayoutVars>
           <dgm:bulletEnabled val="1"/>
         </dgm:presLayoutVars>
@@ -7652,24 +7757,32 @@
   <dgm:cxnLst>
     <dgm:cxn modelId="{7BCCB417-E69F-4B3A-95B3-BA0B583F8F0F}" type="presOf" srcId="{6D349C7B-56CD-43CA-A425-4CA9F57DEC18}" destId="{06531C9D-0DAA-49EF-A7B9-03BB6A1668B1}" srcOrd="0" destOrd="0" presId="urn:microsoft.com/office/officeart/2016/7/layout/RepeatingBendingProcessNew"/>
     <dgm:cxn modelId="{29A8601E-2FD3-427D-AB96-002A87614209}" type="presOf" srcId="{3A0F3694-5BCB-4F2B-B677-6FB623183583}" destId="{DE4CC650-B620-43CC-8839-2C56634612E9}" srcOrd="0" destOrd="0" presId="urn:microsoft.com/office/officeart/2016/7/layout/RepeatingBendingProcessNew"/>
+    <dgm:cxn modelId="{34D98B26-A0AA-4A9E-BE55-BE2DC215AA83}" type="presOf" srcId="{F8FEB3B5-F1A8-4F2B-91D3-E26067368721}" destId="{B1CBAC0D-CBDC-48B4-8968-1F61F50B6246}" srcOrd="0" destOrd="0" presId="urn:microsoft.com/office/officeart/2016/7/layout/RepeatingBendingProcessNew"/>
     <dgm:cxn modelId="{32BC283B-A723-47D4-9E31-387920465812}" srcId="{8C301878-7BEF-410A-A6C1-8758626BE8A0}" destId="{3A0F3694-5BCB-4F2B-B677-6FB623183583}" srcOrd="0" destOrd="0" parTransId="{8310C4F1-464F-4E26-BDB5-DB6AF27FDF2C}" sibTransId="{133DD09F-4155-47D2-A49D-B84FA24F114A}"/>
-    <dgm:cxn modelId="{34CEDF61-D5D8-4440-ADD0-D93713189A69}" srcId="{8C301878-7BEF-410A-A6C1-8758626BE8A0}" destId="{D76DD7F3-D3F5-4DF6-BDC2-10FA16D5F3B2}" srcOrd="5" destOrd="0" parTransId="{C3825715-1DC8-4DBB-B6B8-3349ED97DBD1}" sibTransId="{50846944-EEEB-4994-BC25-A3504DCD1520}"/>
+    <dgm:cxn modelId="{34CEDF61-D5D8-4440-ADD0-D93713189A69}" srcId="{8C301878-7BEF-410A-A6C1-8758626BE8A0}" destId="{D76DD7F3-D3F5-4DF6-BDC2-10FA16D5F3B2}" srcOrd="6" destOrd="0" parTransId="{C3825715-1DC8-4DBB-B6B8-3349ED97DBD1}" sibTransId="{50846944-EEEB-4994-BC25-A3504DCD1520}"/>
+    <dgm:cxn modelId="{253FD863-4655-4A5F-902A-964CCDF66A6E}" type="presOf" srcId="{50846944-EEEB-4994-BC25-A3504DCD1520}" destId="{57EDADA8-588C-408A-A33F-714B2DBDB9CB}" srcOrd="1" destOrd="0" presId="urn:microsoft.com/office/officeart/2016/7/layout/RepeatingBendingProcessNew"/>
     <dgm:cxn modelId="{15977B45-4F16-4ADE-98FC-AC88E173AD44}" type="presOf" srcId="{A7CBD15D-E238-433E-AF56-F938F88D2ADA}" destId="{29C60031-D057-45F8-ACA3-742DFBCD5FC6}" srcOrd="1" destOrd="0" presId="urn:microsoft.com/office/officeart/2016/7/layout/RepeatingBendingProcessNew"/>
+    <dgm:cxn modelId="{0BEAEC66-549E-4D84-8032-E68258E9F2D6}" type="presOf" srcId="{50846944-EEEB-4994-BC25-A3504DCD1520}" destId="{A2806136-B18A-423F-9E4D-AC1DFBDCB9F7}" srcOrd="0" destOrd="0" presId="urn:microsoft.com/office/officeart/2016/7/layout/RepeatingBendingProcessNew"/>
     <dgm:cxn modelId="{9B1CD46A-D435-464B-A57B-EF0F0CC15507}" srcId="{8C301878-7BEF-410A-A6C1-8758626BE8A0}" destId="{6D349C7B-56CD-43CA-A425-4CA9F57DEC18}" srcOrd="1" destOrd="0" parTransId="{B1E37AC8-1F35-47F7-9BAB-783494F38283}" sibTransId="{AE4B9CDC-2440-46DD-99F7-2B2FC905C232}"/>
+    <dgm:cxn modelId="{CAEB7373-AD8B-45F1-9DAC-9C072BB8629C}" type="presOf" srcId="{9F23B169-D9CE-4874-BD4C-D30C13621A3A}" destId="{1769CF88-974A-42F1-966D-4A0C467E0EC9}" srcOrd="0" destOrd="0" presId="urn:microsoft.com/office/officeart/2016/7/layout/RepeatingBendingProcessNew"/>
     <dgm:cxn modelId="{3343A078-B9CB-4500-B279-68960FD8B652}" type="presOf" srcId="{262CB5B3-AF4E-4DFE-BB7C-626B73A4D477}" destId="{5F5563C3-0983-4BEE-B7A4-B927FEE93091}" srcOrd="1" destOrd="0" presId="urn:microsoft.com/office/officeart/2016/7/layout/RepeatingBendingProcessNew"/>
     <dgm:cxn modelId="{D8B06780-000E-4884-B3EE-46B7B14D507B}" type="presOf" srcId="{A7CBD15D-E238-433E-AF56-F938F88D2ADA}" destId="{D67497C5-A4A7-45D5-AB58-71F9A885AD44}" srcOrd="0" destOrd="0" presId="urn:microsoft.com/office/officeart/2016/7/layout/RepeatingBendingProcessNew"/>
+    <dgm:cxn modelId="{A8536294-A86F-4017-AB35-509899141F85}" srcId="{8C301878-7BEF-410A-A6C1-8758626BE8A0}" destId="{92732C8F-8AD8-4929-8180-FAB71DAEC648}" srcOrd="2" destOrd="0" parTransId="{974127CE-71ED-4BFA-83DD-11966CF2840D}" sibTransId="{F8FEB3B5-F1A8-4F2B-91D3-E26067368721}"/>
     <dgm:cxn modelId="{7C7A1D98-681F-434F-AE60-4AE1D632AD66}" type="presOf" srcId="{F33D140C-1A20-4589-89B2-73CC2608292C}" destId="{5FCECA06-23C3-45DE-8853-29E5BAA32527}" srcOrd="0" destOrd="0" presId="urn:microsoft.com/office/officeart/2016/7/layout/RepeatingBendingProcessNew"/>
     <dgm:cxn modelId="{8F72D2A2-D1B5-4996-9F5D-8A2583BACD26}" type="presOf" srcId="{AE4B9CDC-2440-46DD-99F7-2B2FC905C232}" destId="{90D4F863-0326-4EB3-BFB7-798F6FE7EBF6}" srcOrd="0" destOrd="0" presId="urn:microsoft.com/office/officeart/2016/7/layout/RepeatingBendingProcessNew"/>
-    <dgm:cxn modelId="{5C4AA0B8-26D8-4A89-8AA5-1B700836A24F}" srcId="{8C301878-7BEF-410A-A6C1-8758626BE8A0}" destId="{90C5FD8D-0398-483A-8883-822BE2C855A3}" srcOrd="4" destOrd="0" parTransId="{93C29CE5-B5BE-4607-B4D7-3FC888C3E9DD}" sibTransId="{CF08ADB3-D677-499A-9034-CF02A6BE6603}"/>
+    <dgm:cxn modelId="{FC7415A8-2BA3-40E8-A55F-D7EE2A3E5231}" type="presOf" srcId="{F8FEB3B5-F1A8-4F2B-91D3-E26067368721}" destId="{849BC37A-57E2-446E-817B-AD0967DA2729}" srcOrd="1" destOrd="0" presId="urn:microsoft.com/office/officeart/2016/7/layout/RepeatingBendingProcessNew"/>
+    <dgm:cxn modelId="{5C4AA0B8-26D8-4A89-8AA5-1B700836A24F}" srcId="{8C301878-7BEF-410A-A6C1-8758626BE8A0}" destId="{90C5FD8D-0398-483A-8883-822BE2C855A3}" srcOrd="5" destOrd="0" parTransId="{93C29CE5-B5BE-4607-B4D7-3FC888C3E9DD}" sibTransId="{CF08ADB3-D677-499A-9034-CF02A6BE6603}"/>
+    <dgm:cxn modelId="{462DE8BD-4A63-488A-B865-2E528F484F71}" srcId="{8C301878-7BEF-410A-A6C1-8758626BE8A0}" destId="{9F23B169-D9CE-4874-BD4C-D30C13621A3A}" srcOrd="7" destOrd="0" parTransId="{0FA9C46F-5197-4B9F-AF26-DBF5F1355FB2}" sibTransId="{6A977626-EE12-4D1B-9126-D38F2BD13389}"/>
     <dgm:cxn modelId="{3CD334BE-485B-4B1E-904E-74129B1980E7}" type="presOf" srcId="{D76DD7F3-D3F5-4DF6-BDC2-10FA16D5F3B2}" destId="{7E6C42DA-3695-469E-9306-35BFD65F23E6}" srcOrd="0" destOrd="0" presId="urn:microsoft.com/office/officeart/2016/7/layout/RepeatingBendingProcessNew"/>
-    <dgm:cxn modelId="{43CFCFBF-B434-485B-B4FF-388D37203925}" srcId="{8C301878-7BEF-410A-A6C1-8758626BE8A0}" destId="{F33D140C-1A20-4589-89B2-73CC2608292C}" srcOrd="2" destOrd="0" parTransId="{58CEB641-73BC-4C0F-91C9-242E24E035AD}" sibTransId="{A7CBD15D-E238-433E-AF56-F938F88D2ADA}"/>
+    <dgm:cxn modelId="{43CFCFBF-B434-485B-B4FF-388D37203925}" srcId="{8C301878-7BEF-410A-A6C1-8758626BE8A0}" destId="{F33D140C-1A20-4589-89B2-73CC2608292C}" srcOrd="3" destOrd="0" parTransId="{58CEB641-73BC-4C0F-91C9-242E24E035AD}" sibTransId="{A7CBD15D-E238-433E-AF56-F938F88D2ADA}"/>
     <dgm:cxn modelId="{14B31EC7-559F-4C54-995F-7AE9CE0E9299}" type="presOf" srcId="{CF08ADB3-D677-499A-9034-CF02A6BE6603}" destId="{FBAE5772-40DD-4445-958C-467363BE5C87}" srcOrd="0" destOrd="0" presId="urn:microsoft.com/office/officeart/2016/7/layout/RepeatingBendingProcessNew"/>
-    <dgm:cxn modelId="{526D5ECA-B7FD-47A0-805A-0854632D9450}" srcId="{8C301878-7BEF-410A-A6C1-8758626BE8A0}" destId="{5C2B5F06-F8E4-4196-9C13-36F5E42FC535}" srcOrd="3" destOrd="0" parTransId="{66961CF0-FA69-4AD8-8A79-2DC26A970006}" sibTransId="{262CB5B3-AF4E-4DFE-BB7C-626B73A4D477}"/>
+    <dgm:cxn modelId="{526D5ECA-B7FD-47A0-805A-0854632D9450}" srcId="{8C301878-7BEF-410A-A6C1-8758626BE8A0}" destId="{5C2B5F06-F8E4-4196-9C13-36F5E42FC535}" srcOrd="4" destOrd="0" parTransId="{66961CF0-FA69-4AD8-8A79-2DC26A970006}" sibTransId="{262CB5B3-AF4E-4DFE-BB7C-626B73A4D477}"/>
     <dgm:cxn modelId="{A5B7FECB-88BA-4085-9F10-E7349AD97D18}" type="presOf" srcId="{AE4B9CDC-2440-46DD-99F7-2B2FC905C232}" destId="{350724F9-E663-4580-9362-C1687F37D075}" srcOrd="1" destOrd="0" presId="urn:microsoft.com/office/officeart/2016/7/layout/RepeatingBendingProcessNew"/>
     <dgm:cxn modelId="{3F0D50CC-C7FF-41DF-ABB7-F62B7FBE1F4E}" type="presOf" srcId="{5C2B5F06-F8E4-4196-9C13-36F5E42FC535}" destId="{3A857075-61F1-4D45-BF4C-5E0942C89D81}" srcOrd="0" destOrd="0" presId="urn:microsoft.com/office/officeart/2016/7/layout/RepeatingBendingProcessNew"/>
     <dgm:cxn modelId="{016832D6-3077-497F-A401-C165FC6E2353}" type="presOf" srcId="{133DD09F-4155-47D2-A49D-B84FA24F114A}" destId="{A8347D23-4E5C-4AA8-934A-C0BACB4C33CF}" srcOrd="0" destOrd="0" presId="urn:microsoft.com/office/officeart/2016/7/layout/RepeatingBendingProcessNew"/>
     <dgm:cxn modelId="{9FA36EDD-6E82-4018-8C70-B14037659063}" type="presOf" srcId="{262CB5B3-AF4E-4DFE-BB7C-626B73A4D477}" destId="{66E07E36-11B2-4E8A-8372-55831EE3FE60}" srcOrd="0" destOrd="0" presId="urn:microsoft.com/office/officeart/2016/7/layout/RepeatingBendingProcessNew"/>
     <dgm:cxn modelId="{5196FAE3-61BF-4221-9E71-35301FE3BC70}" type="presOf" srcId="{CF08ADB3-D677-499A-9034-CF02A6BE6603}" destId="{04D12C34-1245-4403-9DB0-D7B3F7427EBA}" srcOrd="1" destOrd="0" presId="urn:microsoft.com/office/officeart/2016/7/layout/RepeatingBendingProcessNew"/>
+    <dgm:cxn modelId="{1DB8A4E7-0BE0-4E88-845A-ADCC5231F3C4}" type="presOf" srcId="{92732C8F-8AD8-4929-8180-FAB71DAEC648}" destId="{59274F89-0E09-462E-A0D0-6A71DDC38DB7}" srcOrd="0" destOrd="0" presId="urn:microsoft.com/office/officeart/2016/7/layout/RepeatingBendingProcessNew"/>
     <dgm:cxn modelId="{2E165AF6-6042-4AEF-B984-0B0A779EAA8E}" type="presOf" srcId="{90C5FD8D-0398-483A-8883-822BE2C855A3}" destId="{DE982F31-DB06-4D25-90B8-74142DD46EBF}" srcOrd="0" destOrd="0" presId="urn:microsoft.com/office/officeart/2016/7/layout/RepeatingBendingProcessNew"/>
     <dgm:cxn modelId="{BA2EADF8-1EE6-4506-A957-219B2AA754C7}" type="presOf" srcId="{133DD09F-4155-47D2-A49D-B84FA24F114A}" destId="{2D20D900-F795-4382-9BA0-378A0739EA5A}" srcOrd="1" destOrd="0" presId="urn:microsoft.com/office/officeart/2016/7/layout/RepeatingBendingProcessNew"/>
     <dgm:cxn modelId="{D979A8FD-6A68-43BF-B47C-BD4927F87B33}" type="presOf" srcId="{8C301878-7BEF-410A-A6C1-8758626BE8A0}" destId="{D6688C76-9B30-45D1-AD71-8A91728D334D}" srcOrd="0" destOrd="0" presId="urn:microsoft.com/office/officeart/2016/7/layout/RepeatingBendingProcessNew"/>
@@ -7679,16 +7792,22 @@
     <dgm:cxn modelId="{DA3F2727-C954-4A16-956C-3C4913F11CDC}" type="presParOf" srcId="{D6688C76-9B30-45D1-AD71-8A91728D334D}" destId="{06531C9D-0DAA-49EF-A7B9-03BB6A1668B1}" srcOrd="2" destOrd="0" presId="urn:microsoft.com/office/officeart/2016/7/layout/RepeatingBendingProcessNew"/>
     <dgm:cxn modelId="{88B2930A-9C39-44AF-BBFC-7BFB55906615}" type="presParOf" srcId="{D6688C76-9B30-45D1-AD71-8A91728D334D}" destId="{90D4F863-0326-4EB3-BFB7-798F6FE7EBF6}" srcOrd="3" destOrd="0" presId="urn:microsoft.com/office/officeart/2016/7/layout/RepeatingBendingProcessNew"/>
     <dgm:cxn modelId="{C670FE13-5DA0-4D40-AADD-9AABA4BB25EA}" type="presParOf" srcId="{90D4F863-0326-4EB3-BFB7-798F6FE7EBF6}" destId="{350724F9-E663-4580-9362-C1687F37D075}" srcOrd="0" destOrd="0" presId="urn:microsoft.com/office/officeart/2016/7/layout/RepeatingBendingProcessNew"/>
-    <dgm:cxn modelId="{25653E18-846A-4569-AF62-6E0BD07AF64F}" type="presParOf" srcId="{D6688C76-9B30-45D1-AD71-8A91728D334D}" destId="{5FCECA06-23C3-45DE-8853-29E5BAA32527}" srcOrd="4" destOrd="0" presId="urn:microsoft.com/office/officeart/2016/7/layout/RepeatingBendingProcessNew"/>
-    <dgm:cxn modelId="{A3CFE49A-59BB-42B9-A8D8-AC859FB65E31}" type="presParOf" srcId="{D6688C76-9B30-45D1-AD71-8A91728D334D}" destId="{D67497C5-A4A7-45D5-AB58-71F9A885AD44}" srcOrd="5" destOrd="0" presId="urn:microsoft.com/office/officeart/2016/7/layout/RepeatingBendingProcessNew"/>
+    <dgm:cxn modelId="{8A3AC40D-6373-4959-B629-8A970B598A92}" type="presParOf" srcId="{D6688C76-9B30-45D1-AD71-8A91728D334D}" destId="{59274F89-0E09-462E-A0D0-6A71DDC38DB7}" srcOrd="4" destOrd="0" presId="urn:microsoft.com/office/officeart/2016/7/layout/RepeatingBendingProcessNew"/>
+    <dgm:cxn modelId="{B2FF2661-FBFF-4D8B-94B8-2081416B7328}" type="presParOf" srcId="{D6688C76-9B30-45D1-AD71-8A91728D334D}" destId="{B1CBAC0D-CBDC-48B4-8968-1F61F50B6246}" srcOrd="5" destOrd="0" presId="urn:microsoft.com/office/officeart/2016/7/layout/RepeatingBendingProcessNew"/>
+    <dgm:cxn modelId="{5E22F5B9-4550-460E-88E6-750FA8E83CAD}" type="presParOf" srcId="{B1CBAC0D-CBDC-48B4-8968-1F61F50B6246}" destId="{849BC37A-57E2-446E-817B-AD0967DA2729}" srcOrd="0" destOrd="0" presId="urn:microsoft.com/office/officeart/2016/7/layout/RepeatingBendingProcessNew"/>
+    <dgm:cxn modelId="{25653E18-846A-4569-AF62-6E0BD07AF64F}" type="presParOf" srcId="{D6688C76-9B30-45D1-AD71-8A91728D334D}" destId="{5FCECA06-23C3-45DE-8853-29E5BAA32527}" srcOrd="6" destOrd="0" presId="urn:microsoft.com/office/officeart/2016/7/layout/RepeatingBendingProcessNew"/>
+    <dgm:cxn modelId="{A3CFE49A-59BB-42B9-A8D8-AC859FB65E31}" type="presParOf" srcId="{D6688C76-9B30-45D1-AD71-8A91728D334D}" destId="{D67497C5-A4A7-45D5-AB58-71F9A885AD44}" srcOrd="7" destOrd="0" presId="urn:microsoft.com/office/officeart/2016/7/layout/RepeatingBendingProcessNew"/>
     <dgm:cxn modelId="{FA47BAE8-7D47-4DCB-B813-2134B3B28513}" type="presParOf" srcId="{D67497C5-A4A7-45D5-AB58-71F9A885AD44}" destId="{29C60031-D057-45F8-ACA3-742DFBCD5FC6}" srcOrd="0" destOrd="0" presId="urn:microsoft.com/office/officeart/2016/7/layout/RepeatingBendingProcessNew"/>
-    <dgm:cxn modelId="{F7C463DD-E823-4977-B52A-349C9A0A30AA}" type="presParOf" srcId="{D6688C76-9B30-45D1-AD71-8A91728D334D}" destId="{3A857075-61F1-4D45-BF4C-5E0942C89D81}" srcOrd="6" destOrd="0" presId="urn:microsoft.com/office/officeart/2016/7/layout/RepeatingBendingProcessNew"/>
-    <dgm:cxn modelId="{4308A09B-EEC5-4477-9043-8972E790E00A}" type="presParOf" srcId="{D6688C76-9B30-45D1-AD71-8A91728D334D}" destId="{66E07E36-11B2-4E8A-8372-55831EE3FE60}" srcOrd="7" destOrd="0" presId="urn:microsoft.com/office/officeart/2016/7/layout/RepeatingBendingProcessNew"/>
+    <dgm:cxn modelId="{F7C463DD-E823-4977-B52A-349C9A0A30AA}" type="presParOf" srcId="{D6688C76-9B30-45D1-AD71-8A91728D334D}" destId="{3A857075-61F1-4D45-BF4C-5E0942C89D81}" srcOrd="8" destOrd="0" presId="urn:microsoft.com/office/officeart/2016/7/layout/RepeatingBendingProcessNew"/>
+    <dgm:cxn modelId="{4308A09B-EEC5-4477-9043-8972E790E00A}" type="presParOf" srcId="{D6688C76-9B30-45D1-AD71-8A91728D334D}" destId="{66E07E36-11B2-4E8A-8372-55831EE3FE60}" srcOrd="9" destOrd="0" presId="urn:microsoft.com/office/officeart/2016/7/layout/RepeatingBendingProcessNew"/>
     <dgm:cxn modelId="{68E02C5B-B290-4485-9252-AE4C2E0683CB}" type="presParOf" srcId="{66E07E36-11B2-4E8A-8372-55831EE3FE60}" destId="{5F5563C3-0983-4BEE-B7A4-B927FEE93091}" srcOrd="0" destOrd="0" presId="urn:microsoft.com/office/officeart/2016/7/layout/RepeatingBendingProcessNew"/>
-    <dgm:cxn modelId="{7EEACDCA-3207-480D-AF56-0C85D9AA76EC}" type="presParOf" srcId="{D6688C76-9B30-45D1-AD71-8A91728D334D}" destId="{DE982F31-DB06-4D25-90B8-74142DD46EBF}" srcOrd="8" destOrd="0" presId="urn:microsoft.com/office/officeart/2016/7/layout/RepeatingBendingProcessNew"/>
-    <dgm:cxn modelId="{15E559CE-C50A-4F04-B09D-2E4BC369FD53}" type="presParOf" srcId="{D6688C76-9B30-45D1-AD71-8A91728D334D}" destId="{FBAE5772-40DD-4445-958C-467363BE5C87}" srcOrd="9" destOrd="0" presId="urn:microsoft.com/office/officeart/2016/7/layout/RepeatingBendingProcessNew"/>
+    <dgm:cxn modelId="{7EEACDCA-3207-480D-AF56-0C85D9AA76EC}" type="presParOf" srcId="{D6688C76-9B30-45D1-AD71-8A91728D334D}" destId="{DE982F31-DB06-4D25-90B8-74142DD46EBF}" srcOrd="10" destOrd="0" presId="urn:microsoft.com/office/officeart/2016/7/layout/RepeatingBendingProcessNew"/>
+    <dgm:cxn modelId="{15E559CE-C50A-4F04-B09D-2E4BC369FD53}" type="presParOf" srcId="{D6688C76-9B30-45D1-AD71-8A91728D334D}" destId="{FBAE5772-40DD-4445-958C-467363BE5C87}" srcOrd="11" destOrd="0" presId="urn:microsoft.com/office/officeart/2016/7/layout/RepeatingBendingProcessNew"/>
     <dgm:cxn modelId="{3CD30006-61E7-4578-B1AF-783424A637DF}" type="presParOf" srcId="{FBAE5772-40DD-4445-958C-467363BE5C87}" destId="{04D12C34-1245-4403-9DB0-D7B3F7427EBA}" srcOrd="0" destOrd="0" presId="urn:microsoft.com/office/officeart/2016/7/layout/RepeatingBendingProcessNew"/>
-    <dgm:cxn modelId="{46D4C237-6B3B-4FFB-A2A9-D090505154B1}" type="presParOf" srcId="{D6688C76-9B30-45D1-AD71-8A91728D334D}" destId="{7E6C42DA-3695-469E-9306-35BFD65F23E6}" srcOrd="10" destOrd="0" presId="urn:microsoft.com/office/officeart/2016/7/layout/RepeatingBendingProcessNew"/>
+    <dgm:cxn modelId="{46D4C237-6B3B-4FFB-A2A9-D090505154B1}" type="presParOf" srcId="{D6688C76-9B30-45D1-AD71-8A91728D334D}" destId="{7E6C42DA-3695-469E-9306-35BFD65F23E6}" srcOrd="12" destOrd="0" presId="urn:microsoft.com/office/officeart/2016/7/layout/RepeatingBendingProcessNew"/>
+    <dgm:cxn modelId="{4FBAC74D-1AF6-4DE5-BE35-6D667EF94555}" type="presParOf" srcId="{D6688C76-9B30-45D1-AD71-8A91728D334D}" destId="{A2806136-B18A-423F-9E4D-AC1DFBDCB9F7}" srcOrd="13" destOrd="0" presId="urn:microsoft.com/office/officeart/2016/7/layout/RepeatingBendingProcessNew"/>
+    <dgm:cxn modelId="{FD6DDEF8-06D5-4154-8316-0730DBEB23CC}" type="presParOf" srcId="{A2806136-B18A-423F-9E4D-AC1DFBDCB9F7}" destId="{57EDADA8-588C-408A-A33F-714B2DBDB9CB}" srcOrd="0" destOrd="0" presId="urn:microsoft.com/office/officeart/2016/7/layout/RepeatingBendingProcessNew"/>
+    <dgm:cxn modelId="{B39FFC82-E4B2-4DA4-BE85-4A4060D4F4A9}" type="presParOf" srcId="{D6688C76-9B30-45D1-AD71-8A91728D334D}" destId="{1769CF88-974A-42F1-966D-4A0C467E0EC9}" srcOrd="14" destOrd="0" presId="urn:microsoft.com/office/officeart/2016/7/layout/RepeatingBendingProcessNew"/>
   </dgm:cxnLst>
   <dgm:bg/>
   <dgm:whole/>
@@ -11106,8 +11225,8 @@
       </dsp:nvSpPr>
       <dsp:spPr>
         <a:xfrm>
-          <a:off x="2623391" y="695969"/>
-          <a:ext cx="535766" cy="91440"/>
+          <a:off x="2699495" y="497950"/>
+          <a:ext cx="383559" cy="91440"/>
         </a:xfrm>
         <a:custGeom>
           <a:avLst/>
@@ -11121,7 +11240,7 @@
                 <a:pt x="0" y="45720"/>
               </a:moveTo>
               <a:lnTo>
-                <a:pt x="535766" y="45720"/>
+                <a:pt x="383559" y="45720"/>
               </a:lnTo>
             </a:path>
           </a:pathLst>
@@ -11176,8 +11295,8 @@
         </a:p>
       </dsp:txBody>
       <dsp:txXfrm>
-        <a:off x="2877115" y="738857"/>
-        <a:ext cx="28318" cy="5663"/>
+        <a:off x="2880921" y="541599"/>
+        <a:ext cx="20707" cy="4141"/>
       </dsp:txXfrm>
     </dsp:sp>
     <dsp:sp modelId="{DE4CC650-B620-43CC-8839-2C56634612E9}">
@@ -11187,8 +11306,8 @@
       </dsp:nvSpPr>
       <dsp:spPr>
         <a:xfrm>
-          <a:off x="162729" y="2950"/>
-          <a:ext cx="2462462" cy="1477477"/>
+          <a:off x="900602" y="3462"/>
+          <a:ext cx="1800693" cy="1080415"/>
         </a:xfrm>
         <a:prstGeom prst="rect">
           <a:avLst/>
@@ -11230,12 +11349,12 @@
         </a:fontRef>
       </dsp:style>
       <dsp:txBody>
-        <a:bodyPr spcFirstLastPara="0" vert="horz" wrap="square" lIns="120663" tIns="126657" rIns="120663" bIns="126657" numCol="1" spcCol="1270" anchor="ctr" anchorCtr="0">
+        <a:bodyPr spcFirstLastPara="0" vert="horz" wrap="square" lIns="88235" tIns="92619" rIns="88235" bIns="92619" numCol="1" spcCol="1270" anchor="ctr" anchorCtr="0">
           <a:noAutofit/>
         </a:bodyPr>
         <a:lstStyle/>
         <a:p>
-          <a:pPr marL="0" lvl="0" indent="0" algn="ctr" defTabSz="1244600">
+          <a:pPr marL="0" lvl="0" indent="0" algn="ctr" defTabSz="933450">
             <a:lnSpc>
               <a:spcPct val="90000"/>
             </a:lnSpc>
@@ -11248,15 +11367,15 @@
             <a:buNone/>
           </a:pPr>
           <a:r>
-            <a:rPr lang="en-US" sz="2800" kern="1200" baseline="0"/>
+            <a:rPr lang="en-US" sz="2100" kern="1200" baseline="0"/>
             <a:t>Business Problem.</a:t>
           </a:r>
-          <a:endParaRPr lang="en-US" sz="2800" kern="1200"/>
+          <a:endParaRPr lang="en-US" sz="2100" kern="1200"/>
         </a:p>
       </dsp:txBody>
       <dsp:txXfrm>
-        <a:off x="162729" y="2950"/>
-        <a:ext cx="2462462" cy="1477477"/>
+        <a:off x="900602" y="3462"/>
+        <a:ext cx="1800693" cy="1080415"/>
       </dsp:txXfrm>
     </dsp:sp>
     <dsp:sp modelId="{90D4F863-0326-4EB3-BFB7-798F6FE7EBF6}">
@@ -11266,8 +11385,8 @@
       </dsp:nvSpPr>
       <dsp:spPr>
         <a:xfrm>
-          <a:off x="1393960" y="1478628"/>
-          <a:ext cx="3028828" cy="535766"/>
+          <a:off x="1800948" y="1082078"/>
+          <a:ext cx="2214852" cy="383559"/>
         </a:xfrm>
         <a:custGeom>
           <a:avLst/>
@@ -11278,16 +11397,16 @@
           <a:pathLst>
             <a:path>
               <a:moveTo>
-                <a:pt x="3028828" y="0"/>
+                <a:pt x="2214852" y="0"/>
               </a:moveTo>
               <a:lnTo>
-                <a:pt x="3028828" y="284983"/>
+                <a:pt x="2214852" y="208879"/>
               </a:lnTo>
               <a:lnTo>
-                <a:pt x="0" y="284983"/>
+                <a:pt x="0" y="208879"/>
               </a:lnTo>
               <a:lnTo>
-                <a:pt x="0" y="535766"/>
+                <a:pt x="0" y="383559"/>
               </a:lnTo>
             </a:path>
           </a:pathLst>
@@ -11296,9 +11415,9 @@
         <a:ln w="6350" cap="flat" cmpd="sng" algn="ctr">
           <a:solidFill>
             <a:schemeClr val="accent2">
-              <a:hueOff val="-2519613"/>
+              <a:hueOff val="-1679742"/>
               <a:satOff val="0"/>
-              <a:lumOff val="4363"/>
+              <a:lumOff val="2909"/>
               <a:alphaOff val="0"/>
             </a:schemeClr>
           </a:solidFill>
@@ -11342,8 +11461,8 @@
         </a:p>
       </dsp:txBody>
       <dsp:txXfrm>
-        <a:off x="2831341" y="1743679"/>
-        <a:ext cx="154066" cy="5663"/>
+        <a:off x="2852043" y="1271786"/>
+        <a:ext cx="112662" cy="4141"/>
       </dsp:txXfrm>
     </dsp:sp>
     <dsp:sp modelId="{06531C9D-0DAA-49EF-A7B9-03BB6A1668B1}">
@@ -11353,17 +11472,17 @@
       </dsp:nvSpPr>
       <dsp:spPr>
         <a:xfrm>
-          <a:off x="3191558" y="2950"/>
-          <a:ext cx="2462462" cy="1477477"/>
+          <a:off x="3115454" y="3462"/>
+          <a:ext cx="1800693" cy="1080415"/>
         </a:xfrm>
         <a:prstGeom prst="rect">
           <a:avLst/>
         </a:prstGeom>
         <a:solidFill>
           <a:schemeClr val="accent2">
-            <a:hueOff val="-2015691"/>
+            <a:hueOff val="-1439779"/>
             <a:satOff val="0"/>
-            <a:lumOff val="3490"/>
+            <a:lumOff val="2493"/>
             <a:alphaOff val="0"/>
           </a:schemeClr>
         </a:solidFill>
@@ -11396,12 +11515,12 @@
         </a:fontRef>
       </dsp:style>
       <dsp:txBody>
-        <a:bodyPr spcFirstLastPara="0" vert="horz" wrap="square" lIns="120663" tIns="126657" rIns="120663" bIns="126657" numCol="1" spcCol="1270" anchor="ctr" anchorCtr="0">
+        <a:bodyPr spcFirstLastPara="0" vert="horz" wrap="square" lIns="88235" tIns="92619" rIns="88235" bIns="92619" numCol="1" spcCol="1270" anchor="ctr" anchorCtr="0">
           <a:noAutofit/>
         </a:bodyPr>
         <a:lstStyle/>
         <a:p>
-          <a:pPr marL="0" lvl="0" indent="0" algn="ctr" defTabSz="1244600">
+          <a:pPr marL="0" lvl="0" indent="0" algn="ctr" defTabSz="933450">
             <a:lnSpc>
               <a:spcPct val="90000"/>
             </a:lnSpc>
@@ -11414,26 +11533,26 @@
             <a:buNone/>
           </a:pPr>
           <a:r>
-            <a:rPr lang="en-US" sz="2800" kern="1200" baseline="0"/>
+            <a:rPr lang="en-US" sz="2100" kern="1200" baseline="0" dirty="0"/>
             <a:t>Finding an appropriate dataset.</a:t>
           </a:r>
-          <a:endParaRPr lang="en-US" sz="2800" kern="1200"/>
+          <a:endParaRPr lang="en-US" sz="2100" kern="1200" dirty="0"/>
         </a:p>
       </dsp:txBody>
       <dsp:txXfrm>
-        <a:off x="3191558" y="2950"/>
-        <a:ext cx="2462462" cy="1477477"/>
+        <a:off x="3115454" y="3462"/>
+        <a:ext cx="1800693" cy="1080415"/>
       </dsp:txXfrm>
     </dsp:sp>
-    <dsp:sp modelId="{D67497C5-A4A7-45D5-AB58-71F9A885AD44}">
+    <dsp:sp modelId="{B1CBAC0D-CBDC-48B4-8968-1F61F50B6246}">
       <dsp:nvSpPr>
         <dsp:cNvPr id="0" name=""/>
         <dsp:cNvSpPr/>
       </dsp:nvSpPr>
       <dsp:spPr>
         <a:xfrm>
-          <a:off x="2623391" y="2739812"/>
-          <a:ext cx="535766" cy="91440"/>
+          <a:off x="2699495" y="1992525"/>
+          <a:ext cx="383559" cy="91440"/>
         </a:xfrm>
         <a:custGeom>
           <a:avLst/>
@@ -11447,7 +11566,173 @@
                 <a:pt x="0" y="45720"/>
               </a:moveTo>
               <a:lnTo>
-                <a:pt x="535766" y="45720"/>
+                <a:pt x="383559" y="45720"/>
+              </a:lnTo>
+            </a:path>
+          </a:pathLst>
+        </a:custGeom>
+        <a:noFill/>
+        <a:ln w="6350" cap="flat" cmpd="sng" algn="ctr">
+          <a:solidFill>
+            <a:schemeClr val="accent2">
+              <a:hueOff val="-3359484"/>
+              <a:satOff val="0"/>
+              <a:lumOff val="5817"/>
+              <a:alphaOff val="0"/>
+            </a:schemeClr>
+          </a:solidFill>
+          <a:prstDash val="solid"/>
+          <a:miter lim="800000"/>
+          <a:tailEnd type="arrow"/>
+        </a:ln>
+        <a:effectLst/>
+      </dsp:spPr>
+      <dsp:style>
+        <a:lnRef idx="1">
+          <a:scrgbClr r="0" g="0" b="0"/>
+        </a:lnRef>
+        <a:fillRef idx="0">
+          <a:scrgbClr r="0" g="0" b="0"/>
+        </a:fillRef>
+        <a:effectRef idx="0">
+          <a:scrgbClr r="0" g="0" b="0"/>
+        </a:effectRef>
+        <a:fontRef idx="minor"/>
+      </dsp:style>
+      <dsp:txBody>
+        <a:bodyPr spcFirstLastPara="0" vert="horz" wrap="square" lIns="12700" tIns="0" rIns="12700" bIns="0" numCol="1" spcCol="1270" anchor="ctr" anchorCtr="0">
+          <a:noAutofit/>
+        </a:bodyPr>
+        <a:lstStyle/>
+        <a:p>
+          <a:pPr marL="0" lvl="0" indent="0" algn="ctr" defTabSz="222250">
+            <a:lnSpc>
+              <a:spcPct val="90000"/>
+            </a:lnSpc>
+            <a:spcBef>
+              <a:spcPct val="0"/>
+            </a:spcBef>
+            <a:spcAft>
+              <a:spcPct val="35000"/>
+            </a:spcAft>
+            <a:buNone/>
+          </a:pPr>
+          <a:endParaRPr lang="en-US" sz="500" kern="1200"/>
+        </a:p>
+      </dsp:txBody>
+      <dsp:txXfrm>
+        <a:off x="2880921" y="2036174"/>
+        <a:ext cx="20707" cy="4141"/>
+      </dsp:txXfrm>
+    </dsp:sp>
+    <dsp:sp modelId="{59274F89-0E09-462E-A0D0-6A71DDC38DB7}">
+      <dsp:nvSpPr>
+        <dsp:cNvPr id="0" name=""/>
+        <dsp:cNvSpPr/>
+      </dsp:nvSpPr>
+      <dsp:spPr>
+        <a:xfrm>
+          <a:off x="900602" y="1498037"/>
+          <a:ext cx="1800693" cy="1080415"/>
+        </a:xfrm>
+        <a:prstGeom prst="rect">
+          <a:avLst/>
+        </a:prstGeom>
+        <a:solidFill>
+          <a:schemeClr val="accent2">
+            <a:hueOff val="-2879558"/>
+            <a:satOff val="0"/>
+            <a:lumOff val="4986"/>
+            <a:alphaOff val="0"/>
+          </a:schemeClr>
+        </a:solidFill>
+        <a:ln w="12700" cap="flat" cmpd="sng" algn="ctr">
+          <a:solidFill>
+            <a:schemeClr val="lt1">
+              <a:hueOff val="0"/>
+              <a:satOff val="0"/>
+              <a:lumOff val="0"/>
+              <a:alphaOff val="0"/>
+            </a:schemeClr>
+          </a:solidFill>
+          <a:prstDash val="solid"/>
+          <a:miter lim="800000"/>
+        </a:ln>
+        <a:effectLst/>
+      </dsp:spPr>
+      <dsp:style>
+        <a:lnRef idx="2">
+          <a:scrgbClr r="0" g="0" b="0"/>
+        </a:lnRef>
+        <a:fillRef idx="1">
+          <a:scrgbClr r="0" g="0" b="0"/>
+        </a:fillRef>
+        <a:effectRef idx="0">
+          <a:scrgbClr r="0" g="0" b="0"/>
+        </a:effectRef>
+        <a:fontRef idx="minor">
+          <a:schemeClr val="lt1"/>
+        </a:fontRef>
+      </dsp:style>
+      <dsp:txBody>
+        <a:bodyPr spcFirstLastPara="0" vert="horz" wrap="square" lIns="88235" tIns="92619" rIns="88235" bIns="92619" numCol="1" spcCol="1270" anchor="ctr" anchorCtr="0">
+          <a:noAutofit/>
+        </a:bodyPr>
+        <a:lstStyle/>
+        <a:p>
+          <a:pPr marL="0" lvl="0" indent="0" algn="ctr" defTabSz="933450">
+            <a:lnSpc>
+              <a:spcPct val="90000"/>
+            </a:lnSpc>
+            <a:spcBef>
+              <a:spcPct val="0"/>
+            </a:spcBef>
+            <a:spcAft>
+              <a:spcPct val="35000"/>
+            </a:spcAft>
+            <a:buNone/>
+          </a:pPr>
+          <a:r>
+            <a:rPr lang="en-US" sz="2100" kern="1200" baseline="0" dirty="0"/>
+            <a:t>Cleaning the data.</a:t>
+          </a:r>
+          <a:endParaRPr lang="en-US" sz="2100" kern="1200" dirty="0"/>
+        </a:p>
+      </dsp:txBody>
+      <dsp:txXfrm>
+        <a:off x="900602" y="1498037"/>
+        <a:ext cx="1800693" cy="1080415"/>
+      </dsp:txXfrm>
+    </dsp:sp>
+    <dsp:sp modelId="{D67497C5-A4A7-45D5-AB58-71F9A885AD44}">
+      <dsp:nvSpPr>
+        <dsp:cNvPr id="0" name=""/>
+        <dsp:cNvSpPr/>
+      </dsp:nvSpPr>
+      <dsp:spPr>
+        <a:xfrm>
+          <a:off x="1800948" y="2576653"/>
+          <a:ext cx="2214852" cy="383559"/>
+        </a:xfrm>
+        <a:custGeom>
+          <a:avLst/>
+          <a:gdLst/>
+          <a:ahLst/>
+          <a:cxnLst/>
+          <a:rect l="0" t="0" r="0" b="0"/>
+          <a:pathLst>
+            <a:path>
+              <a:moveTo>
+                <a:pt x="2214852" y="0"/>
+              </a:moveTo>
+              <a:lnTo>
+                <a:pt x="2214852" y="208879"/>
+              </a:lnTo>
+              <a:lnTo>
+                <a:pt x="0" y="208879"/>
+              </a:lnTo>
+              <a:lnTo>
+                <a:pt x="0" y="383559"/>
               </a:lnTo>
             </a:path>
           </a:pathLst>
@@ -11502,8 +11787,8 @@
         </a:p>
       </dsp:txBody>
       <dsp:txXfrm>
-        <a:off x="2877115" y="2782701"/>
-        <a:ext cx="28318" cy="5663"/>
+        <a:off x="2852043" y="2766362"/>
+        <a:ext cx="112662" cy="4141"/>
       </dsp:txXfrm>
     </dsp:sp>
     <dsp:sp modelId="{5FCECA06-23C3-45DE-8853-29E5BAA32527}">
@@ -11513,17 +11798,17 @@
       </dsp:nvSpPr>
       <dsp:spPr>
         <a:xfrm>
-          <a:off x="162729" y="2046794"/>
-          <a:ext cx="2462462" cy="1477477"/>
+          <a:off x="3115454" y="1498037"/>
+          <a:ext cx="1800693" cy="1080415"/>
         </a:xfrm>
         <a:prstGeom prst="rect">
           <a:avLst/>
         </a:prstGeom>
         <a:solidFill>
           <a:schemeClr val="accent2">
-            <a:hueOff val="-4031381"/>
+            <a:hueOff val="-4319337"/>
             <a:satOff val="0"/>
-            <a:lumOff val="6981"/>
+            <a:lumOff val="7479"/>
             <a:alphaOff val="0"/>
           </a:schemeClr>
         </a:solidFill>
@@ -11556,12 +11841,12 @@
         </a:fontRef>
       </dsp:style>
       <dsp:txBody>
-        <a:bodyPr spcFirstLastPara="0" vert="horz" wrap="square" lIns="120663" tIns="126657" rIns="120663" bIns="126657" numCol="1" spcCol="1270" anchor="ctr" anchorCtr="0">
+        <a:bodyPr spcFirstLastPara="0" vert="horz" wrap="square" lIns="88235" tIns="92619" rIns="88235" bIns="92619" numCol="1" spcCol="1270" anchor="ctr" anchorCtr="0">
           <a:noAutofit/>
         </a:bodyPr>
         <a:lstStyle/>
         <a:p>
-          <a:pPr marL="0" lvl="0" indent="0" algn="ctr" defTabSz="1244600">
+          <a:pPr marL="0" lvl="0" indent="0" algn="ctr" defTabSz="933450">
             <a:lnSpc>
               <a:spcPct val="90000"/>
             </a:lnSpc>
@@ -11574,15 +11859,15 @@
             <a:buNone/>
           </a:pPr>
           <a:r>
-            <a:rPr lang="en-US" sz="2800" kern="1200" baseline="0"/>
+            <a:rPr lang="en-US" sz="2100" kern="1200" baseline="0" dirty="0"/>
             <a:t>Splitting the data into train and test data.</a:t>
           </a:r>
-          <a:endParaRPr lang="en-US" sz="2800" kern="1200"/>
+          <a:endParaRPr lang="en-US" sz="2100" kern="1200" dirty="0"/>
         </a:p>
       </dsp:txBody>
       <dsp:txXfrm>
-        <a:off x="162729" y="2046794"/>
-        <a:ext cx="2462462" cy="1477477"/>
+        <a:off x="3115454" y="1498037"/>
+        <a:ext cx="1800693" cy="1080415"/>
       </dsp:txXfrm>
     </dsp:sp>
     <dsp:sp modelId="{66E07E36-11B2-4E8A-8372-55831EE3FE60}">
@@ -11592,8 +11877,8 @@
       </dsp:nvSpPr>
       <dsp:spPr>
         <a:xfrm>
-          <a:off x="1393960" y="3522471"/>
-          <a:ext cx="3028828" cy="535766"/>
+          <a:off x="2699495" y="3487100"/>
+          <a:ext cx="383559" cy="91440"/>
         </a:xfrm>
         <a:custGeom>
           <a:avLst/>
@@ -11604,16 +11889,10 @@
           <a:pathLst>
             <a:path>
               <a:moveTo>
-                <a:pt x="3028828" y="0"/>
+                <a:pt x="0" y="45720"/>
               </a:moveTo>
               <a:lnTo>
-                <a:pt x="3028828" y="284983"/>
-              </a:lnTo>
-              <a:lnTo>
-                <a:pt x="0" y="284983"/>
-              </a:lnTo>
-              <a:lnTo>
-                <a:pt x="0" y="535766"/>
+                <a:pt x="383559" y="45720"/>
               </a:lnTo>
             </a:path>
           </a:pathLst>
@@ -11622,9 +11901,9 @@
         <a:ln w="6350" cap="flat" cmpd="sng" algn="ctr">
           <a:solidFill>
             <a:schemeClr val="accent2">
-              <a:hueOff val="-7558840"/>
+              <a:hueOff val="-6718969"/>
               <a:satOff val="0"/>
-              <a:lumOff val="13089"/>
+              <a:lumOff val="11635"/>
               <a:alphaOff val="0"/>
             </a:schemeClr>
           </a:solidFill>
@@ -11668,8 +11947,8 @@
         </a:p>
       </dsp:txBody>
       <dsp:txXfrm>
-        <a:off x="2831341" y="3787522"/>
-        <a:ext cx="154066" cy="5663"/>
+        <a:off x="2880921" y="3530749"/>
+        <a:ext cx="20707" cy="4141"/>
       </dsp:txXfrm>
     </dsp:sp>
     <dsp:sp modelId="{3A857075-61F1-4D45-BF4C-5E0942C89D81}">
@@ -11679,17 +11958,17 @@
       </dsp:nvSpPr>
       <dsp:spPr>
         <a:xfrm>
-          <a:off x="3191558" y="2046794"/>
-          <a:ext cx="2462462" cy="1477477"/>
+          <a:off x="900602" y="2992612"/>
+          <a:ext cx="1800693" cy="1080415"/>
         </a:xfrm>
         <a:prstGeom prst="rect">
           <a:avLst/>
         </a:prstGeom>
         <a:solidFill>
           <a:schemeClr val="accent2">
-            <a:hueOff val="-6047072"/>
+            <a:hueOff val="-5759116"/>
             <a:satOff val="0"/>
-            <a:lumOff val="10471"/>
+            <a:lumOff val="9973"/>
             <a:alphaOff val="0"/>
           </a:schemeClr>
         </a:solidFill>
@@ -11722,12 +12001,12 @@
         </a:fontRef>
       </dsp:style>
       <dsp:txBody>
-        <a:bodyPr spcFirstLastPara="0" vert="horz" wrap="square" lIns="120663" tIns="126657" rIns="120663" bIns="126657" numCol="1" spcCol="1270" anchor="ctr" anchorCtr="0">
+        <a:bodyPr spcFirstLastPara="0" vert="horz" wrap="square" lIns="88235" tIns="92619" rIns="88235" bIns="92619" numCol="1" spcCol="1270" anchor="ctr" anchorCtr="0">
           <a:noAutofit/>
         </a:bodyPr>
         <a:lstStyle/>
         <a:p>
-          <a:pPr marL="0" lvl="0" indent="0" algn="ctr" defTabSz="1244600">
+          <a:pPr marL="0" lvl="0" indent="0" algn="ctr" defTabSz="933450">
             <a:lnSpc>
               <a:spcPct val="90000"/>
             </a:lnSpc>
@@ -11740,15 +12019,15 @@
             <a:buNone/>
           </a:pPr>
           <a:r>
-            <a:rPr lang="en-US" sz="2800" kern="1200" baseline="0"/>
+            <a:rPr lang="en-US" sz="2100" kern="1200" baseline="0" dirty="0"/>
             <a:t>Performing Data Exploration.</a:t>
           </a:r>
-          <a:endParaRPr lang="en-US" sz="2800" kern="1200"/>
+          <a:endParaRPr lang="en-US" sz="2100" kern="1200" dirty="0"/>
         </a:p>
       </dsp:txBody>
       <dsp:txXfrm>
-        <a:off x="3191558" y="2046794"/>
-        <a:ext cx="2462462" cy="1477477"/>
+        <a:off x="900602" y="2992612"/>
+        <a:ext cx="1800693" cy="1080415"/>
       </dsp:txXfrm>
     </dsp:sp>
     <dsp:sp modelId="{FBAE5772-40DD-4445-958C-467363BE5C87}">
@@ -11758,8 +12037,174 @@
       </dsp:nvSpPr>
       <dsp:spPr>
         <a:xfrm>
-          <a:off x="2623391" y="4783656"/>
-          <a:ext cx="535766" cy="91440"/>
+          <a:off x="1800948" y="4071228"/>
+          <a:ext cx="2214852" cy="383559"/>
+        </a:xfrm>
+        <a:custGeom>
+          <a:avLst/>
+          <a:gdLst/>
+          <a:ahLst/>
+          <a:cxnLst/>
+          <a:rect l="0" t="0" r="0" b="0"/>
+          <a:pathLst>
+            <a:path>
+              <a:moveTo>
+                <a:pt x="2214852" y="0"/>
+              </a:moveTo>
+              <a:lnTo>
+                <a:pt x="2214852" y="208879"/>
+              </a:lnTo>
+              <a:lnTo>
+                <a:pt x="0" y="208879"/>
+              </a:lnTo>
+              <a:lnTo>
+                <a:pt x="0" y="383559"/>
+              </a:lnTo>
+            </a:path>
+          </a:pathLst>
+        </a:custGeom>
+        <a:noFill/>
+        <a:ln w="6350" cap="flat" cmpd="sng" algn="ctr">
+          <a:solidFill>
+            <a:schemeClr val="accent2">
+              <a:hueOff val="-8398710"/>
+              <a:satOff val="0"/>
+              <a:lumOff val="14543"/>
+              <a:alphaOff val="0"/>
+            </a:schemeClr>
+          </a:solidFill>
+          <a:prstDash val="solid"/>
+          <a:miter lim="800000"/>
+          <a:tailEnd type="arrow"/>
+        </a:ln>
+        <a:effectLst/>
+      </dsp:spPr>
+      <dsp:style>
+        <a:lnRef idx="1">
+          <a:scrgbClr r="0" g="0" b="0"/>
+        </a:lnRef>
+        <a:fillRef idx="0">
+          <a:scrgbClr r="0" g="0" b="0"/>
+        </a:fillRef>
+        <a:effectRef idx="0">
+          <a:scrgbClr r="0" g="0" b="0"/>
+        </a:effectRef>
+        <a:fontRef idx="minor"/>
+      </dsp:style>
+      <dsp:txBody>
+        <a:bodyPr spcFirstLastPara="0" vert="horz" wrap="square" lIns="12700" tIns="0" rIns="12700" bIns="0" numCol="1" spcCol="1270" anchor="ctr" anchorCtr="0">
+          <a:noAutofit/>
+        </a:bodyPr>
+        <a:lstStyle/>
+        <a:p>
+          <a:pPr marL="0" lvl="0" indent="0" algn="ctr" defTabSz="222250">
+            <a:lnSpc>
+              <a:spcPct val="90000"/>
+            </a:lnSpc>
+            <a:spcBef>
+              <a:spcPct val="0"/>
+            </a:spcBef>
+            <a:spcAft>
+              <a:spcPct val="35000"/>
+            </a:spcAft>
+            <a:buNone/>
+          </a:pPr>
+          <a:endParaRPr lang="en-US" sz="500" kern="1200"/>
+        </a:p>
+      </dsp:txBody>
+      <dsp:txXfrm>
+        <a:off x="2852043" y="4260937"/>
+        <a:ext cx="112662" cy="4141"/>
+      </dsp:txXfrm>
+    </dsp:sp>
+    <dsp:sp modelId="{DE982F31-DB06-4D25-90B8-74142DD46EBF}">
+      <dsp:nvSpPr>
+        <dsp:cNvPr id="0" name=""/>
+        <dsp:cNvSpPr/>
+      </dsp:nvSpPr>
+      <dsp:spPr>
+        <a:xfrm>
+          <a:off x="3115454" y="2992612"/>
+          <a:ext cx="1800693" cy="1080415"/>
+        </a:xfrm>
+        <a:prstGeom prst="rect">
+          <a:avLst/>
+        </a:prstGeom>
+        <a:solidFill>
+          <a:schemeClr val="accent2">
+            <a:hueOff val="-7198895"/>
+            <a:satOff val="0"/>
+            <a:lumOff val="12466"/>
+            <a:alphaOff val="0"/>
+          </a:schemeClr>
+        </a:solidFill>
+        <a:ln w="12700" cap="flat" cmpd="sng" algn="ctr">
+          <a:solidFill>
+            <a:schemeClr val="lt1">
+              <a:hueOff val="0"/>
+              <a:satOff val="0"/>
+              <a:lumOff val="0"/>
+              <a:alphaOff val="0"/>
+            </a:schemeClr>
+          </a:solidFill>
+          <a:prstDash val="solid"/>
+          <a:miter lim="800000"/>
+        </a:ln>
+        <a:effectLst/>
+      </dsp:spPr>
+      <dsp:style>
+        <a:lnRef idx="2">
+          <a:scrgbClr r="0" g="0" b="0"/>
+        </a:lnRef>
+        <a:fillRef idx="1">
+          <a:scrgbClr r="0" g="0" b="0"/>
+        </a:fillRef>
+        <a:effectRef idx="0">
+          <a:scrgbClr r="0" g="0" b="0"/>
+        </a:effectRef>
+        <a:fontRef idx="minor">
+          <a:schemeClr val="lt1"/>
+        </a:fontRef>
+      </dsp:style>
+      <dsp:txBody>
+        <a:bodyPr spcFirstLastPara="0" vert="horz" wrap="square" lIns="88235" tIns="92619" rIns="88235" bIns="92619" numCol="1" spcCol="1270" anchor="ctr" anchorCtr="0">
+          <a:noAutofit/>
+        </a:bodyPr>
+        <a:lstStyle/>
+        <a:p>
+          <a:pPr marL="0" lvl="0" indent="0" algn="ctr" defTabSz="933450">
+            <a:lnSpc>
+              <a:spcPct val="90000"/>
+            </a:lnSpc>
+            <a:spcBef>
+              <a:spcPct val="0"/>
+            </a:spcBef>
+            <a:spcAft>
+              <a:spcPct val="35000"/>
+            </a:spcAft>
+            <a:buNone/>
+          </a:pPr>
+          <a:r>
+            <a:rPr lang="en-US" sz="2100" kern="1200" baseline="0"/>
+            <a:t>Correlation.</a:t>
+          </a:r>
+          <a:endParaRPr lang="en-US" sz="2100" kern="1200"/>
+        </a:p>
+      </dsp:txBody>
+      <dsp:txXfrm>
+        <a:off x="3115454" y="2992612"/>
+        <a:ext cx="1800693" cy="1080415"/>
+      </dsp:txXfrm>
+    </dsp:sp>
+    <dsp:sp modelId="{A2806136-B18A-423F-9E4D-AC1DFBDCB9F7}">
+      <dsp:nvSpPr>
+        <dsp:cNvPr id="0" name=""/>
+        <dsp:cNvSpPr/>
+      </dsp:nvSpPr>
+      <dsp:spPr>
+        <a:xfrm>
+          <a:off x="2699495" y="4981675"/>
+          <a:ext cx="383559" cy="91440"/>
         </a:xfrm>
         <a:custGeom>
           <a:avLst/>
@@ -11773,7 +12218,7 @@
                 <a:pt x="0" y="45720"/>
               </a:moveTo>
               <a:lnTo>
-                <a:pt x="535766" y="45720"/>
+                <a:pt x="383559" y="45720"/>
               </a:lnTo>
             </a:path>
           </a:pathLst>
@@ -11828,28 +12273,28 @@
         </a:p>
       </dsp:txBody>
       <dsp:txXfrm>
-        <a:off x="2877115" y="4826544"/>
-        <a:ext cx="28318" cy="5663"/>
+        <a:off x="2880921" y="5025325"/>
+        <a:ext cx="20707" cy="4141"/>
       </dsp:txXfrm>
     </dsp:sp>
-    <dsp:sp modelId="{DE982F31-DB06-4D25-90B8-74142DD46EBF}">
+    <dsp:sp modelId="{7E6C42DA-3695-469E-9306-35BFD65F23E6}">
       <dsp:nvSpPr>
         <dsp:cNvPr id="0" name=""/>
         <dsp:cNvSpPr/>
       </dsp:nvSpPr>
       <dsp:spPr>
         <a:xfrm>
-          <a:off x="162729" y="4090637"/>
-          <a:ext cx="2462462" cy="1477477"/>
+          <a:off x="900602" y="4487187"/>
+          <a:ext cx="1800693" cy="1080415"/>
         </a:xfrm>
         <a:prstGeom prst="rect">
           <a:avLst/>
         </a:prstGeom>
         <a:solidFill>
           <a:schemeClr val="accent2">
-            <a:hueOff val="-8062763"/>
+            <a:hueOff val="-8638674"/>
             <a:satOff val="0"/>
-            <a:lumOff val="13962"/>
+            <a:lumOff val="14959"/>
             <a:alphaOff val="0"/>
           </a:schemeClr>
         </a:solidFill>
@@ -11882,12 +12327,12 @@
         </a:fontRef>
       </dsp:style>
       <dsp:txBody>
-        <a:bodyPr spcFirstLastPara="0" vert="horz" wrap="square" lIns="120663" tIns="126657" rIns="120663" bIns="126657" numCol="1" spcCol="1270" anchor="ctr" anchorCtr="0">
+        <a:bodyPr spcFirstLastPara="0" vert="horz" wrap="square" lIns="88235" tIns="92619" rIns="88235" bIns="92619" numCol="1" spcCol="1270" anchor="ctr" anchorCtr="0">
           <a:noAutofit/>
         </a:bodyPr>
         <a:lstStyle/>
         <a:p>
-          <a:pPr marL="0" lvl="0" indent="0" algn="ctr" defTabSz="1244600">
+          <a:pPr marL="0" lvl="0" indent="0" algn="ctr" defTabSz="933450">
             <a:lnSpc>
               <a:spcPct val="90000"/>
             </a:lnSpc>
@@ -11900,26 +12345,26 @@
             <a:buNone/>
           </a:pPr>
           <a:r>
-            <a:rPr lang="en-US" sz="2800" kern="1200" baseline="0"/>
-            <a:t>Correlation.</a:t>
+            <a:rPr lang="en-US" sz="2100" kern="1200" baseline="0" dirty="0"/>
+            <a:t>Sentiment Analysis.</a:t>
           </a:r>
-          <a:endParaRPr lang="en-US" sz="2800" kern="1200"/>
+          <a:endParaRPr lang="en-US" sz="2100" kern="1200" dirty="0"/>
         </a:p>
       </dsp:txBody>
       <dsp:txXfrm>
-        <a:off x="162729" y="4090637"/>
-        <a:ext cx="2462462" cy="1477477"/>
+        <a:off x="900602" y="4487187"/>
+        <a:ext cx="1800693" cy="1080415"/>
       </dsp:txXfrm>
     </dsp:sp>
-    <dsp:sp modelId="{7E6C42DA-3695-469E-9306-35BFD65F23E6}">
+    <dsp:sp modelId="{1769CF88-974A-42F1-966D-4A0C467E0EC9}">
       <dsp:nvSpPr>
         <dsp:cNvPr id="0" name=""/>
         <dsp:cNvSpPr/>
       </dsp:nvSpPr>
       <dsp:spPr>
         <a:xfrm>
-          <a:off x="3191558" y="4090637"/>
-          <a:ext cx="2462462" cy="1477477"/>
+          <a:off x="3115454" y="4487187"/>
+          <a:ext cx="1800693" cy="1080415"/>
         </a:xfrm>
         <a:prstGeom prst="rect">
           <a:avLst/>
@@ -11961,12 +12406,12 @@
         </a:fontRef>
       </dsp:style>
       <dsp:txBody>
-        <a:bodyPr spcFirstLastPara="0" vert="horz" wrap="square" lIns="120663" tIns="126657" rIns="120663" bIns="126657" numCol="1" spcCol="1270" anchor="ctr" anchorCtr="0">
+        <a:bodyPr spcFirstLastPara="0" vert="horz" wrap="square" lIns="88235" tIns="92619" rIns="88235" bIns="92619" numCol="1" spcCol="1270" anchor="ctr" anchorCtr="0">
           <a:noAutofit/>
         </a:bodyPr>
         <a:lstStyle/>
         <a:p>
-          <a:pPr marL="0" lvl="0" indent="0" algn="ctr" defTabSz="1244600">
+          <a:pPr marL="0" lvl="0" indent="0" algn="ctr" defTabSz="933450">
             <a:lnSpc>
               <a:spcPct val="90000"/>
             </a:lnSpc>
@@ -11979,15 +12424,14 @@
             <a:buNone/>
           </a:pPr>
           <a:r>
-            <a:rPr lang="en-US" sz="2800" kern="1200" baseline="0"/>
-            <a:t>Sentiment Analysis.</a:t>
+            <a:rPr lang="en-US" sz="2100" kern="1200" dirty="0"/>
+            <a:t>Testing Models</a:t>
           </a:r>
-          <a:endParaRPr lang="en-US" sz="2800" kern="1200"/>
         </a:p>
       </dsp:txBody>
       <dsp:txXfrm>
-        <a:off x="3191558" y="4090637"/>
-        <a:ext cx="2462462" cy="1477477"/>
+        <a:off x="3115454" y="4487187"/>
+        <a:ext cx="1800693" cy="1080415"/>
       </dsp:txXfrm>
     </dsp:sp>
   </dsp:spTree>
@@ -19947,7 +20391,7 @@
           <a:p>
             <a:fld id="{CCDC4E34-C8AF-4725-B629-C2DC9185B164}" type="datetimeFigureOut">
               <a:rPr lang="en-US" smtClean="0"/>
-              <a:t>11/20/2020</a:t>
+              <a:t>12/6/2020</a:t>
             </a:fld>
             <a:endParaRPr lang="en-US"/>
           </a:p>
@@ -20435,7 +20879,7 @@
             <a:pPr algn="r"/>
             <a:fld id="{9DCFB0C2-F10A-4E5D-A645-025D11BBAA06}" type="datetime1">
               <a:rPr lang="en-US" smtClean="0"/>
-              <a:t>11/20/2020</a:t>
+              <a:t>12/6/2020</a:t>
             </a:fld>
             <a:endParaRPr lang="en-US" dirty="0"/>
           </a:p>
@@ -20656,7 +21100,7 @@
             <a:pPr algn="r"/>
             <a:fld id="{CD789911-6DEA-42A3-82DD-0064881D588A}" type="datetime1">
               <a:rPr lang="en-US" smtClean="0"/>
-              <a:t>11/20/2020</a:t>
+              <a:t>12/6/2020</a:t>
             </a:fld>
             <a:endParaRPr lang="en-US" dirty="0"/>
           </a:p>
@@ -20938,7 +21382,7 @@
             <a:pPr algn="r"/>
             <a:fld id="{4A72E13B-B923-458E-9FFB-09193EC6B084}" type="datetime1">
               <a:rPr lang="en-US" smtClean="0"/>
-              <a:t>11/20/2020</a:t>
+              <a:t>12/6/2020</a:t>
             </a:fld>
             <a:endParaRPr lang="en-US" dirty="0"/>
           </a:p>
@@ -21151,7 +21595,7 @@
             <a:pPr algn="r"/>
             <a:fld id="{7F4DED1F-F867-4EA9-8C6E-3EA41D700863}" type="datetime1">
               <a:rPr lang="en-US" smtClean="0"/>
-              <a:t>11/20/2020</a:t>
+              <a:t>12/6/2020</a:t>
             </a:fld>
             <a:endParaRPr lang="en-US" dirty="0"/>
           </a:p>
@@ -21488,7 +21932,7 @@
             <a:pPr algn="r"/>
             <a:fld id="{46CDBDA1-980F-4FB0-8B70-30A900A2A840}" type="datetime1">
               <a:rPr lang="en-US" smtClean="0"/>
-              <a:t>11/20/2020</a:t>
+              <a:t>12/6/2020</a:t>
             </a:fld>
             <a:endParaRPr lang="en-US" dirty="0"/>
           </a:p>
@@ -21762,7 +22206,7 @@
             <a:pPr algn="r"/>
             <a:fld id="{DE4E66E8-19B9-446A-924D-F2DC4C7209E5}" type="datetime1">
               <a:rPr lang="en-US" smtClean="0"/>
-              <a:t>11/20/2020</a:t>
+              <a:t>12/6/2020</a:t>
             </a:fld>
             <a:endParaRPr lang="en-US" dirty="0"/>
           </a:p>
@@ -22150,7 +22594,7 @@
             <a:pPr algn="r"/>
             <a:fld id="{0502FAF5-9902-47DE-B674-16B0099171D2}" type="datetime1">
               <a:rPr lang="en-US" smtClean="0"/>
-              <a:t>11/20/2020</a:t>
+              <a:t>12/6/2020</a:t>
             </a:fld>
             <a:endParaRPr lang="en-US" dirty="0"/>
           </a:p>
@@ -22326,7 +22770,7 @@
             <a:pPr algn="r"/>
             <a:fld id="{E91F168A-5AAB-481F-A53C-C5BFE15EAEE0}" type="datetime1">
               <a:rPr lang="en-US" smtClean="0"/>
-              <a:t>11/20/2020</a:t>
+              <a:t>12/6/2020</a:t>
             </a:fld>
             <a:endParaRPr lang="en-US" dirty="0"/>
           </a:p>
@@ -22446,7 +22890,7 @@
             <a:pPr algn="r"/>
             <a:fld id="{3A889101-7BE1-4E24-835A-D49E70B189E9}" type="datetime1">
               <a:rPr lang="en-US" smtClean="0"/>
-              <a:t>11/20/2020</a:t>
+              <a:t>12/6/2020</a:t>
             </a:fld>
             <a:endParaRPr lang="en-US" dirty="0"/>
           </a:p>
@@ -22730,7 +23174,7 @@
             <a:pPr algn="r"/>
             <a:fld id="{A2031249-19DA-4146-B7EE-983A074770F5}" type="datetime1">
               <a:rPr lang="en-US" smtClean="0"/>
-              <a:t>11/20/2020</a:t>
+              <a:t>12/6/2020</a:t>
             </a:fld>
             <a:endParaRPr lang="en-US" dirty="0"/>
           </a:p>
@@ -23030,7 +23474,7 @@
             <a:pPr algn="r"/>
             <a:fld id="{CE0EEC64-7DD1-4737-BFF1-E3934290E57F}" type="datetime1">
               <a:rPr lang="en-US" smtClean="0"/>
-              <a:t>11/20/2020</a:t>
+              <a:t>12/6/2020</a:t>
             </a:fld>
             <a:endParaRPr lang="en-US" dirty="0"/>
           </a:p>
@@ -23377,7 +23821,7 @@
             <a:pPr algn="r"/>
             <a:fld id="{96CFD4EC-6DF8-43BA-8C79-DDF7A84D0F6C}" type="datetime1">
               <a:rPr lang="en-US" smtClean="0"/>
-              <a:t>11/20/2020</a:t>
+              <a:t>12/6/2020</a:t>
             </a:fld>
             <a:endParaRPr lang="en-US" spc="50" dirty="0"/>
           </a:p>
@@ -29182,7 +29626,7 @@
             <p:ph idx="1"/>
             <p:extLst>
               <p:ext uri="{D42A27DB-BD31-4B8C-83A1-F6EECF244321}">
-                <p14:modId xmlns:p14="http://schemas.microsoft.com/office/powerpoint/2010/main" val="320416175"/>
+                <p14:modId xmlns:p14="http://schemas.microsoft.com/office/powerpoint/2010/main" val="3781665460"/>
               </p:ext>
             </p:extLst>
           </p:nvPr>
@@ -29921,7 +30365,7 @@
             <p:ph idx="1"/>
             <p:extLst>
               <p:ext uri="{D42A27DB-BD31-4B8C-83A1-F6EECF244321}">
-                <p14:modId xmlns:p14="http://schemas.microsoft.com/office/powerpoint/2010/main" val="2944880454"/>
+                <p14:modId xmlns:p14="http://schemas.microsoft.com/office/powerpoint/2010/main" val="2822010680"/>
               </p:ext>
             </p:extLst>
           </p:nvPr>
@@ -29959,11 +30403,11 @@
                     <a:lstStyle/>
                     <a:p>
                       <a:r>
-                        <a:rPr lang="en-US" sz="1400" err="1"/>
+                        <a:rPr lang="en-US" sz="1400" dirty="0" err="1"/>
                         <a:t>Atrribute</a:t>
                       </a:r>
                       <a:r>
-                        <a:rPr lang="en-US" sz="1400"/>
+                        <a:rPr lang="en-US" sz="1400" dirty="0"/>
                         <a:t> Name</a:t>
                       </a:r>
                     </a:p>
@@ -30020,7 +30464,7 @@
                     <a:lstStyle/>
                     <a:p>
                       <a:r>
-                        <a:rPr lang="en-US" sz="1400"/>
+                        <a:rPr lang="en-US" sz="1400" dirty="0"/>
                         <a:t>123456</a:t>
                       </a:r>
                     </a:p>
@@ -30073,10 +30517,9 @@
                     <a:lstStyle/>
                     <a:p>
                       <a:r>
-                        <a:rPr lang="en-US" sz="1400" err="1"/>
+                        <a:rPr lang="en-US" sz="1400" dirty="0"/>
                         <a:t>Asins</a:t>
                       </a:r>
-                      <a:endParaRPr lang="en-US" sz="1400"/>
                     </a:p>
                   </a:txBody>
                   <a:tcPr marL="69051" marR="69051" marT="34526" marB="34526"/>
@@ -30153,36 +30596,8 @@
                     <a:lstStyle/>
                     <a:p>
                       <a:r>
-                        <a:rPr lang="en-US" sz="1400" err="1"/>
-                        <a:t>Electronics,iPad</a:t>
-                      </a:r>
-                      <a:r>
-                        <a:rPr lang="en-US" sz="1400"/>
-                        <a:t> &amp; </a:t>
-                      </a:r>
-                      <a:r>
-                        <a:rPr lang="en-US" sz="1400" err="1"/>
-                        <a:t>Tablets,All</a:t>
-                      </a:r>
-                      <a:r>
-                        <a:rPr lang="en-US" sz="1400"/>
-                        <a:t> </a:t>
-                      </a:r>
-                      <a:r>
-                        <a:rPr lang="en-US" sz="1400" err="1"/>
-                        <a:t>Tablets,Fire</a:t>
-                      </a:r>
-                      <a:r>
-                        <a:rPr lang="en-US" sz="1400"/>
-                        <a:t> </a:t>
-                      </a:r>
-                      <a:r>
-                        <a:rPr lang="en-US" sz="1400" err="1"/>
-                        <a:t>Tablets,Tablets,Computers</a:t>
-                      </a:r>
-                      <a:r>
-                        <a:rPr lang="en-US" sz="1400"/>
-                        <a:t> &amp; Tablets</a:t>
+                        <a:rPr lang="en-US" sz="1400" dirty="0"/>
+                        <a:t>Electronics,iPad &amp; Tablets,All Tablets,Fire Tablets,Tablets,Computers &amp; Tablets</a:t>
                       </a:r>
                     </a:p>
                   </a:txBody>
@@ -30234,10 +30649,9 @@
                     <a:lstStyle/>
                     <a:p>
                       <a:r>
-                        <a:rPr lang="en-US" sz="1400" err="1"/>
+                        <a:rPr lang="en-US" sz="1400" dirty="0"/>
                         <a:t>Reviews.rating</a:t>
                       </a:r>
-                      <a:endParaRPr lang="en-US" sz="1400"/>
                     </a:p>
                   </a:txBody>
                   <a:tcPr marL="69051" marR="69051" marT="34526" marB="34526"/>
@@ -30268,10 +30682,9 @@
                     <a:lstStyle/>
                     <a:p>
                       <a:r>
-                        <a:rPr lang="en-US" sz="1400" err="1"/>
+                        <a:rPr lang="en-US" sz="1400" dirty="0"/>
                         <a:t>Reviews.text</a:t>
                       </a:r>
-                      <a:endParaRPr lang="en-US" sz="1400"/>
                     </a:p>
                   </a:txBody>
                   <a:tcPr marL="69051" marR="69051" marT="34526" marB="34526"/>
@@ -30282,7 +30695,7 @@
                     <a:lstStyle/>
                     <a:p>
                       <a:r>
-                        <a:rPr lang="en-US" sz="1400"/>
+                        <a:rPr lang="en-US" sz="1400" dirty="0"/>
                         <a:t>This product so far has not disappointed. My children love to use it and I like the ability to monitor control what content they see with ease.</a:t>
                       </a:r>
                     </a:p>
@@ -30302,13 +30715,12 @@
                     <a:lstStyle/>
                     <a:p>
                       <a:r>
-                        <a:rPr lang="en-US" sz="1400" err="1"/>
+                        <a:rPr lang="en-US" sz="1400" dirty="0"/>
                         <a:t>Reviews.title</a:t>
                       </a:r>
-                      <a:endParaRPr lang="en-US" sz="1400"/>
                     </a:p>
                     <a:p>
-                      <a:endParaRPr lang="en-US" sz="1400"/>
+                      <a:endParaRPr lang="en-US" sz="1400" dirty="0"/>
                     </a:p>
                   </a:txBody>
                   <a:tcPr marL="69051" marR="69051" marT="34526" marB="34526"/>
@@ -30342,10 +30754,9 @@
                     <a:lstStyle/>
                     <a:p>
                       <a:r>
-                        <a:rPr lang="en-US" sz="1400" err="1"/>
+                        <a:rPr lang="en-US" sz="1400" dirty="0"/>
                         <a:t>Reviews.username</a:t>
                       </a:r>
-                      <a:endParaRPr lang="en-US" sz="1400"/>
                     </a:p>
                   </a:txBody>
                   <a:tcPr marL="69051" marR="69051" marT="34526" marB="34526"/>
